--- a/Proposal/20160310 Cheap Chicago.pptx
+++ b/Proposal/20160310 Cheap Chicago.pptx
@@ -8,8 +8,10 @@
     <p:sldId id="264" r:id="rId2"/>
     <p:sldId id="265" r:id="rId3"/>
     <p:sldId id="261" r:id="rId4"/>
-    <p:sldId id="260" r:id="rId5"/>
-    <p:sldId id="266" r:id="rId6"/>
+    <p:sldId id="268" r:id="rId5"/>
+    <p:sldId id="267" r:id="rId6"/>
+    <p:sldId id="260" r:id="rId7"/>
+    <p:sldId id="266" r:id="rId8"/>
   </p:sldIdLst>
   <p:sldSz cx="9144000" cy="6858000" type="screen4x3"/>
   <p:notesSz cx="6858000" cy="9144000"/>
@@ -3915,7 +3917,7 @@
         </p:nvSpPr>
         <p:spPr>
           <a:xfrm>
-            <a:off x="685800" y="1872914"/>
+            <a:off x="685800" y="2160160"/>
             <a:ext cx="7772400" cy="1470025"/>
           </a:xfrm>
         </p:spPr>
@@ -3926,22 +3928,38 @@
           <a:lstStyle/>
           <a:p>
             <a:r>
-              <a:rPr lang="en-US" sz="6000" dirty="0" smtClean="0">
+              <a:rPr lang="en-US" sz="7200" dirty="0" err="1" smtClean="0">
                 <a:solidFill>
                   <a:schemeClr val="tx2"/>
                 </a:solidFill>
               </a:rPr>
-              <a:t>Cheap Chicago</a:t>
+              <a:t>Cheap</a:t>
+            </a:r>
+            <a:r>
+              <a:rPr lang="en-US" sz="7200" dirty="0" err="1" smtClean="0">
+                <a:solidFill>
+                  <a:schemeClr val="tx2"/>
+                </a:solidFill>
+              </a:rPr>
+              <a:t>Chicago</a:t>
+            </a:r>
+            <a:r>
+              <a:rPr lang="en-US" sz="7200" dirty="0" smtClean="0">
+                <a:solidFill>
+                  <a:schemeClr val="tx2"/>
+                </a:solidFill>
+              </a:rPr>
+              <a:t/>
             </a:r>
             <a:br>
-              <a:rPr lang="en-US" sz="6000" dirty="0" smtClean="0">
+              <a:rPr lang="en-US" sz="7200" dirty="0" smtClean="0">
                 <a:solidFill>
                   <a:schemeClr val="tx2"/>
                 </a:solidFill>
               </a:rPr>
             </a:br>
             <a:r>
-              <a:rPr lang="en-US" sz="1300" dirty="0" smtClean="0">
+              <a:rPr lang="en-US" sz="1600" dirty="0" smtClean="0">
                 <a:solidFill>
                   <a:schemeClr val="tx2"/>
                 </a:solidFill>
@@ -3949,7 +3967,7 @@
               <a:t>(formerly known as </a:t>
             </a:r>
             <a:r>
-              <a:rPr lang="en-US" sz="1300" i="1" dirty="0" smtClean="0">
+              <a:rPr lang="en-US" sz="1600" i="1" dirty="0" smtClean="0">
                 <a:solidFill>
                   <a:schemeClr val="tx2"/>
                 </a:solidFill>
@@ -3957,14 +3975,14 @@
               <a:t>Take me away</a:t>
             </a:r>
             <a:r>
-              <a:rPr lang="en-US" sz="1300" dirty="0" smtClean="0">
+              <a:rPr lang="en-US" sz="1600" dirty="0" smtClean="0">
                 <a:solidFill>
                   <a:schemeClr val="tx2"/>
                 </a:solidFill>
               </a:rPr>
               <a:t>)</a:t>
             </a:r>
-            <a:endParaRPr lang="en-US" sz="1300" b="1" dirty="0">
+            <a:endParaRPr lang="en-US" sz="1600" b="1" dirty="0">
               <a:solidFill>
                 <a:schemeClr val="tx2"/>
               </a:solidFill>
@@ -3984,7 +4002,7 @@
         </p:nvSpPr>
         <p:spPr>
           <a:xfrm>
-            <a:off x="685800" y="3571725"/>
+            <a:off x="685800" y="3874085"/>
             <a:ext cx="7772400" cy="1931192"/>
           </a:xfrm>
         </p:spPr>
@@ -3996,8 +4014,13 @@
           <a:p>
             <a:r>
               <a:rPr lang="en-US" sz="2400" dirty="0" smtClean="0"/>
-              <a:t>CS122 Project proposal</a:t>
-            </a:r>
+              <a:t>CS122 </a:t>
+            </a:r>
+            <a:r>
+              <a:rPr lang="en-US" sz="2400" dirty="0" smtClean="0"/>
+              <a:t>Project – Final presentation</a:t>
+            </a:r>
+            <a:endParaRPr lang="en-US" sz="2400" dirty="0" smtClean="0"/>
           </a:p>
           <a:p>
             <a:r>
@@ -5299,6 +5322,854 @@
         </p:nvSpPr>
         <p:spPr/>
         <p:txBody>
+          <a:bodyPr/>
+          <a:lstStyle/>
+          <a:p>
+            <a:r>
+              <a:rPr lang="en-US" dirty="0" smtClean="0"/>
+              <a:t>Main features</a:t>
+            </a:r>
+            <a:endParaRPr lang="en-US" dirty="0"/>
+          </a:p>
+        </p:txBody>
+      </p:sp>
+      <p:sp>
+        <p:nvSpPr>
+          <p:cNvPr id="4" name="Content Placeholder 2"/>
+          <p:cNvSpPr>
+            <a:spLocks noGrp="1"/>
+          </p:cNvSpPr>
+          <p:nvPr>
+            <p:ph idx="1"/>
+          </p:nvPr>
+        </p:nvSpPr>
+        <p:spPr>
+          <a:xfrm>
+            <a:off x="362887" y="1136706"/>
+            <a:ext cx="3946398" cy="3500861"/>
+          </a:xfrm>
+        </p:spPr>
+        <p:txBody>
+          <a:bodyPr>
+            <a:noAutofit/>
+          </a:bodyPr>
+          <a:lstStyle/>
+          <a:p>
+            <a:pPr marL="0" indent="0">
+              <a:buNone/>
+            </a:pPr>
+            <a:r>
+              <a:rPr lang="en-US" b="1" dirty="0" smtClean="0"/>
+              <a:t>OAuth2 &amp; Python 2.7</a:t>
+            </a:r>
+          </a:p>
+          <a:p>
+            <a:pPr marL="171450" indent="-171450"/>
+            <a:r>
+              <a:rPr lang="en-US" dirty="0" smtClean="0"/>
+              <a:t>OAuth2 library is widely used to authenticate users using APIs</a:t>
+            </a:r>
+          </a:p>
+          <a:p>
+            <a:pPr marL="171450" indent="-171450"/>
+            <a:r>
+              <a:rPr lang="en-US" dirty="0" smtClean="0"/>
+              <a:t>Non-compatible with Python 3</a:t>
+            </a:r>
+          </a:p>
+          <a:p>
+            <a:pPr marL="171450" indent="-171450"/>
+            <a:r>
+              <a:rPr lang="en-US" dirty="0" smtClean="0"/>
+              <a:t>Downloaded Yelp data using Python 2.7</a:t>
+            </a:r>
+            <a:endParaRPr lang="en-US" dirty="0"/>
+          </a:p>
+        </p:txBody>
+      </p:sp>
+      <p:sp>
+        <p:nvSpPr>
+          <p:cNvPr id="5" name="Content Placeholder 2"/>
+          <p:cNvSpPr txBox="1">
+            <a:spLocks/>
+          </p:cNvSpPr>
+          <p:nvPr/>
+        </p:nvSpPr>
+        <p:spPr>
+          <a:xfrm>
+            <a:off x="4021999" y="1136706"/>
+            <a:ext cx="4823374" cy="3500861"/>
+          </a:xfrm>
+          <a:prstGeom prst="rect">
+            <a:avLst/>
+          </a:prstGeom>
+        </p:spPr>
+        <p:txBody>
+          <a:bodyPr vert="horz" lIns="91440" tIns="45720" rIns="91440" bIns="45720" rtlCol="0">
+            <a:noAutofit/>
+          </a:bodyPr>
+          <a:lstStyle>
+            <a:lvl1pPr marL="342900" indent="-342900" algn="l" defTabSz="457200" rtl="0" eaLnBrk="1" latinLnBrk="0" hangingPunct="1">
+              <a:spcBef>
+                <a:spcPct val="20000"/>
+              </a:spcBef>
+              <a:buFont typeface="Arial"/>
+              <a:buChar char="•"/>
+              <a:defRPr sz="2000" kern="1200">
+                <a:solidFill>
+                  <a:schemeClr val="tx1"/>
+                </a:solidFill>
+                <a:latin typeface="+mn-lt"/>
+                <a:ea typeface="+mn-ea"/>
+                <a:cs typeface="+mn-cs"/>
+              </a:defRPr>
+            </a:lvl1pPr>
+            <a:lvl2pPr marL="742950" indent="-285750" algn="l" defTabSz="457200" rtl="0" eaLnBrk="1" latinLnBrk="0" hangingPunct="1">
+              <a:spcBef>
+                <a:spcPct val="20000"/>
+              </a:spcBef>
+              <a:buFont typeface="Arial"/>
+              <a:buChar char="–"/>
+              <a:defRPr sz="2000" kern="1200">
+                <a:solidFill>
+                  <a:schemeClr val="tx1"/>
+                </a:solidFill>
+                <a:latin typeface="+mn-lt"/>
+                <a:ea typeface="+mn-ea"/>
+                <a:cs typeface="+mn-cs"/>
+              </a:defRPr>
+            </a:lvl2pPr>
+            <a:lvl3pPr marL="1143000" indent="-228600" algn="l" defTabSz="457200" rtl="0" eaLnBrk="1" latinLnBrk="0" hangingPunct="1">
+              <a:spcBef>
+                <a:spcPct val="20000"/>
+              </a:spcBef>
+              <a:buFont typeface="Arial"/>
+              <a:buChar char="•"/>
+              <a:defRPr sz="2000" kern="1200">
+                <a:solidFill>
+                  <a:schemeClr val="tx1"/>
+                </a:solidFill>
+                <a:latin typeface="+mn-lt"/>
+                <a:ea typeface="+mn-ea"/>
+                <a:cs typeface="+mn-cs"/>
+              </a:defRPr>
+            </a:lvl3pPr>
+            <a:lvl4pPr marL="1600200" indent="-228600" algn="l" defTabSz="457200" rtl="0" eaLnBrk="1" latinLnBrk="0" hangingPunct="1">
+              <a:spcBef>
+                <a:spcPct val="20000"/>
+              </a:spcBef>
+              <a:buFont typeface="Arial"/>
+              <a:buChar char="–"/>
+              <a:defRPr sz="2000" kern="1200">
+                <a:solidFill>
+                  <a:schemeClr val="tx1"/>
+                </a:solidFill>
+                <a:latin typeface="+mn-lt"/>
+                <a:ea typeface="+mn-ea"/>
+                <a:cs typeface="+mn-cs"/>
+              </a:defRPr>
+            </a:lvl4pPr>
+            <a:lvl5pPr marL="2057400" indent="-228600" algn="l" defTabSz="457200" rtl="0" eaLnBrk="1" latinLnBrk="0" hangingPunct="1">
+              <a:spcBef>
+                <a:spcPct val="20000"/>
+              </a:spcBef>
+              <a:buFont typeface="Arial"/>
+              <a:buChar char="»"/>
+              <a:defRPr sz="2000" kern="1200">
+                <a:solidFill>
+                  <a:schemeClr val="tx1"/>
+                </a:solidFill>
+                <a:latin typeface="+mn-lt"/>
+                <a:ea typeface="+mn-ea"/>
+                <a:cs typeface="+mn-cs"/>
+              </a:defRPr>
+            </a:lvl5pPr>
+            <a:lvl6pPr marL="2514600" indent="-228600" algn="l" defTabSz="457200" rtl="0" eaLnBrk="1" latinLnBrk="0" hangingPunct="1">
+              <a:spcBef>
+                <a:spcPct val="20000"/>
+              </a:spcBef>
+              <a:buFont typeface="Arial"/>
+              <a:buChar char="•"/>
+              <a:defRPr sz="2000" kern="1200">
+                <a:solidFill>
+                  <a:schemeClr val="tx1"/>
+                </a:solidFill>
+                <a:latin typeface="+mn-lt"/>
+                <a:ea typeface="+mn-ea"/>
+                <a:cs typeface="+mn-cs"/>
+              </a:defRPr>
+            </a:lvl6pPr>
+            <a:lvl7pPr marL="2971800" indent="-228600" algn="l" defTabSz="457200" rtl="0" eaLnBrk="1" latinLnBrk="0" hangingPunct="1">
+              <a:spcBef>
+                <a:spcPct val="20000"/>
+              </a:spcBef>
+              <a:buFont typeface="Arial"/>
+              <a:buChar char="•"/>
+              <a:defRPr sz="2000" kern="1200">
+                <a:solidFill>
+                  <a:schemeClr val="tx1"/>
+                </a:solidFill>
+                <a:latin typeface="+mn-lt"/>
+                <a:ea typeface="+mn-ea"/>
+                <a:cs typeface="+mn-cs"/>
+              </a:defRPr>
+            </a:lvl7pPr>
+            <a:lvl8pPr marL="3429000" indent="-228600" algn="l" defTabSz="457200" rtl="0" eaLnBrk="1" latinLnBrk="0" hangingPunct="1">
+              <a:spcBef>
+                <a:spcPct val="20000"/>
+              </a:spcBef>
+              <a:buFont typeface="Arial"/>
+              <a:buChar char="•"/>
+              <a:defRPr sz="2000" kern="1200">
+                <a:solidFill>
+                  <a:schemeClr val="tx1"/>
+                </a:solidFill>
+                <a:latin typeface="+mn-lt"/>
+                <a:ea typeface="+mn-ea"/>
+                <a:cs typeface="+mn-cs"/>
+              </a:defRPr>
+            </a:lvl8pPr>
+            <a:lvl9pPr marL="3886200" indent="-228600" algn="l" defTabSz="457200" rtl="0" eaLnBrk="1" latinLnBrk="0" hangingPunct="1">
+              <a:spcBef>
+                <a:spcPct val="20000"/>
+              </a:spcBef>
+              <a:buFont typeface="Arial"/>
+              <a:buChar char="•"/>
+              <a:defRPr sz="2000" kern="1200">
+                <a:solidFill>
+                  <a:schemeClr val="tx1"/>
+                </a:solidFill>
+                <a:latin typeface="+mn-lt"/>
+                <a:ea typeface="+mn-ea"/>
+                <a:cs typeface="+mn-cs"/>
+              </a:defRPr>
+            </a:lvl9pPr>
+          </a:lstStyle>
+          <a:p>
+            <a:pPr marL="0" indent="0">
+              <a:buNone/>
+            </a:pPr>
+            <a:r>
+              <a:rPr lang="en-US" b="1" dirty="0" smtClean="0"/>
+              <a:t>Google Static Maps API</a:t>
+            </a:r>
+          </a:p>
+          <a:p>
+            <a:pPr marL="171450" indent="-171450"/>
+            <a:r>
+              <a:rPr lang="en-US" dirty="0" smtClean="0"/>
+              <a:t>No need to authenticate</a:t>
+            </a:r>
+          </a:p>
+          <a:p>
+            <a:pPr marL="171450" indent="-171450"/>
+            <a:r>
+              <a:rPr lang="en-US" dirty="0" smtClean="0"/>
+              <a:t>Calls API through a </a:t>
+            </a:r>
+            <a:r>
+              <a:rPr lang="en-US" dirty="0" err="1" smtClean="0"/>
+              <a:t>url</a:t>
+            </a:r>
+            <a:r>
+              <a:rPr lang="en-US" dirty="0" smtClean="0"/>
+              <a:t> with certain syntax</a:t>
+            </a:r>
+            <a:endParaRPr lang="en-US" dirty="0"/>
+          </a:p>
+          <a:p>
+            <a:pPr marL="171450" indent="-171450"/>
+            <a:r>
+              <a:rPr lang="en-US" dirty="0" smtClean="0"/>
+              <a:t>Put a key at the end of </a:t>
+            </a:r>
+            <a:r>
+              <a:rPr lang="en-US" dirty="0" err="1" smtClean="0"/>
+              <a:t>url</a:t>
+            </a:r>
+            <a:endParaRPr lang="en-US" dirty="0" smtClean="0"/>
+          </a:p>
+          <a:p>
+            <a:pPr marL="400050" lvl="1" indent="0">
+              <a:buNone/>
+            </a:pPr>
+            <a:r>
+              <a:rPr lang="en-US" sz="1400" dirty="0" smtClean="0"/>
+              <a:t>https</a:t>
+            </a:r>
+            <a:r>
+              <a:rPr lang="en-US" sz="1400" dirty="0"/>
+              <a:t>://maps.googleapis.com/maps/api/staticmap</a:t>
+            </a:r>
+            <a:r>
+              <a:rPr lang="en-US" sz="1400" dirty="0" smtClean="0"/>
+              <a:t>?</a:t>
+            </a:r>
+          </a:p>
+          <a:p>
+            <a:pPr marL="400050" lvl="1" indent="0">
+              <a:buNone/>
+            </a:pPr>
+            <a:r>
+              <a:rPr lang="en-US" sz="1400" b="1" dirty="0" smtClean="0"/>
+              <a:t>size</a:t>
+            </a:r>
+            <a:r>
+              <a:rPr lang="en-US" sz="1400" dirty="0">
+                <a:solidFill>
+                  <a:schemeClr val="bg1">
+                    <a:lumMod val="50000"/>
+                  </a:schemeClr>
+                </a:solidFill>
+              </a:rPr>
+              <a:t>=</a:t>
+            </a:r>
+            <a:r>
+              <a:rPr lang="en-US" sz="1400" dirty="0" smtClean="0">
+                <a:solidFill>
+                  <a:schemeClr val="bg1">
+                    <a:lumMod val="50000"/>
+                  </a:schemeClr>
+                </a:solidFill>
+              </a:rPr>
+              <a:t>512x512 &amp; </a:t>
+            </a:r>
+            <a:r>
+              <a:rPr lang="en-US" sz="1400" b="1" dirty="0" err="1" smtClean="0"/>
+              <a:t>maptype</a:t>
+            </a:r>
+            <a:r>
+              <a:rPr lang="en-US" sz="1400" dirty="0"/>
+              <a:t>=</a:t>
+            </a:r>
+            <a:r>
+              <a:rPr lang="en-US" sz="1400" dirty="0" smtClean="0">
+                <a:solidFill>
+                  <a:srgbClr val="7F7F7F"/>
+                </a:solidFill>
+              </a:rPr>
+              <a:t>roadmap &amp; </a:t>
+            </a:r>
+            <a:r>
+              <a:rPr lang="en-US" sz="1400" b="1" dirty="0" smtClean="0"/>
+              <a:t>markers</a:t>
+            </a:r>
+            <a:r>
+              <a:rPr lang="en-US" sz="1400" dirty="0"/>
+              <a:t>=</a:t>
+            </a:r>
+            <a:r>
+              <a:rPr lang="en-US" sz="1400" b="1" dirty="0">
+                <a:solidFill>
+                  <a:srgbClr val="7F7F7F"/>
+                </a:solidFill>
+              </a:rPr>
+              <a:t>color</a:t>
+            </a:r>
+            <a:r>
+              <a:rPr lang="en-US" sz="1400" dirty="0">
+                <a:solidFill>
+                  <a:srgbClr val="7F7F7F"/>
+                </a:solidFill>
+              </a:rPr>
+              <a:t>:purple%</a:t>
+            </a:r>
+            <a:r>
+              <a:rPr lang="en-US" sz="1400" dirty="0" smtClean="0">
+                <a:solidFill>
+                  <a:srgbClr val="7F7F7F"/>
+                </a:solidFill>
+              </a:rPr>
+              <a:t>7C</a:t>
+            </a:r>
+            <a:r>
+              <a:rPr lang="en-US" sz="1400" b="1" dirty="0" smtClean="0">
+                <a:solidFill>
+                  <a:srgbClr val="7F7F7F"/>
+                </a:solidFill>
+              </a:rPr>
+              <a:t>label</a:t>
+            </a:r>
+            <a:r>
+              <a:rPr lang="en-US" sz="1400" dirty="0">
+                <a:solidFill>
+                  <a:srgbClr val="7F7F7F"/>
+                </a:solidFill>
+              </a:rPr>
+              <a:t>:1%</a:t>
+            </a:r>
+            <a:r>
+              <a:rPr lang="en-US" sz="1400" b="1" dirty="0">
+                <a:solidFill>
+                  <a:srgbClr val="7F7F7F"/>
+                </a:solidFill>
+              </a:rPr>
+              <a:t>7C5420+N+</a:t>
+            </a:r>
+            <a:r>
+              <a:rPr lang="en-US" sz="1400" b="1" dirty="0" smtClean="0">
+                <a:solidFill>
+                  <a:srgbClr val="7F7F7F"/>
+                </a:solidFill>
+              </a:rPr>
+              <a:t>Clark+St</a:t>
+            </a:r>
+            <a:r>
+              <a:rPr lang="en-US" sz="1400" b="1" dirty="0">
+                <a:solidFill>
+                  <a:srgbClr val="7F7F7F"/>
+                </a:solidFill>
+              </a:rPr>
+              <a:t>,</a:t>
+            </a:r>
+            <a:r>
+              <a:rPr lang="en-US" sz="1400" b="1" dirty="0" smtClean="0">
+                <a:solidFill>
+                  <a:srgbClr val="7F7F7F"/>
+                </a:solidFill>
+              </a:rPr>
+              <a:t>Chicago </a:t>
+            </a:r>
+            <a:r>
+              <a:rPr lang="en-US" sz="1400" dirty="0" smtClean="0">
+                <a:solidFill>
+                  <a:srgbClr val="7F7F7F"/>
+                </a:solidFill>
+              </a:rPr>
+              <a:t>&amp; </a:t>
+            </a:r>
+            <a:r>
+              <a:rPr lang="en-US" sz="1400" b="1" dirty="0" smtClean="0"/>
+              <a:t>key </a:t>
+            </a:r>
+            <a:r>
+              <a:rPr lang="en-US" sz="1400" dirty="0" smtClean="0">
+                <a:solidFill>
+                  <a:srgbClr val="7F7F7F"/>
+                </a:solidFill>
+              </a:rPr>
+              <a:t>= AIzaSyCyV611rvT1sv</a:t>
+            </a:r>
+            <a:r>
+              <a:rPr lang="is-IS" sz="1400" dirty="0" smtClean="0">
+                <a:solidFill>
+                  <a:srgbClr val="7F7F7F"/>
+                </a:solidFill>
+              </a:rPr>
+              <a:t>…</a:t>
+            </a:r>
+            <a:endParaRPr lang="en-US" sz="1400" dirty="0">
+              <a:solidFill>
+                <a:srgbClr val="7F7F7F"/>
+              </a:solidFill>
+            </a:endParaRPr>
+          </a:p>
+        </p:txBody>
+      </p:sp>
+      <p:sp>
+        <p:nvSpPr>
+          <p:cNvPr id="6" name="Content Placeholder 2"/>
+          <p:cNvSpPr txBox="1">
+            <a:spLocks/>
+          </p:cNvSpPr>
+          <p:nvPr/>
+        </p:nvSpPr>
+        <p:spPr>
+          <a:xfrm>
+            <a:off x="362887" y="3613262"/>
+            <a:ext cx="8482487" cy="1704631"/>
+          </a:xfrm>
+          <a:prstGeom prst="rect">
+            <a:avLst/>
+          </a:prstGeom>
+        </p:spPr>
+        <p:txBody>
+          <a:bodyPr vert="horz" lIns="91440" tIns="45720" rIns="91440" bIns="45720" rtlCol="0">
+            <a:noAutofit/>
+          </a:bodyPr>
+          <a:lstStyle>
+            <a:lvl1pPr marL="342900" indent="-342900" algn="l" defTabSz="457200" rtl="0" eaLnBrk="1" latinLnBrk="0" hangingPunct="1">
+              <a:spcBef>
+                <a:spcPct val="20000"/>
+              </a:spcBef>
+              <a:buFont typeface="Arial"/>
+              <a:buChar char="•"/>
+              <a:defRPr sz="2000" kern="1200">
+                <a:solidFill>
+                  <a:schemeClr val="tx1"/>
+                </a:solidFill>
+                <a:latin typeface="+mn-lt"/>
+                <a:ea typeface="+mn-ea"/>
+                <a:cs typeface="+mn-cs"/>
+              </a:defRPr>
+            </a:lvl1pPr>
+            <a:lvl2pPr marL="742950" indent="-285750" algn="l" defTabSz="457200" rtl="0" eaLnBrk="1" latinLnBrk="0" hangingPunct="1">
+              <a:spcBef>
+                <a:spcPct val="20000"/>
+              </a:spcBef>
+              <a:buFont typeface="Arial"/>
+              <a:buChar char="–"/>
+              <a:defRPr sz="2000" kern="1200">
+                <a:solidFill>
+                  <a:schemeClr val="tx1"/>
+                </a:solidFill>
+                <a:latin typeface="+mn-lt"/>
+                <a:ea typeface="+mn-ea"/>
+                <a:cs typeface="+mn-cs"/>
+              </a:defRPr>
+            </a:lvl2pPr>
+            <a:lvl3pPr marL="1143000" indent="-228600" algn="l" defTabSz="457200" rtl="0" eaLnBrk="1" latinLnBrk="0" hangingPunct="1">
+              <a:spcBef>
+                <a:spcPct val="20000"/>
+              </a:spcBef>
+              <a:buFont typeface="Arial"/>
+              <a:buChar char="•"/>
+              <a:defRPr sz="2000" kern="1200">
+                <a:solidFill>
+                  <a:schemeClr val="tx1"/>
+                </a:solidFill>
+                <a:latin typeface="+mn-lt"/>
+                <a:ea typeface="+mn-ea"/>
+                <a:cs typeface="+mn-cs"/>
+              </a:defRPr>
+            </a:lvl3pPr>
+            <a:lvl4pPr marL="1600200" indent="-228600" algn="l" defTabSz="457200" rtl="0" eaLnBrk="1" latinLnBrk="0" hangingPunct="1">
+              <a:spcBef>
+                <a:spcPct val="20000"/>
+              </a:spcBef>
+              <a:buFont typeface="Arial"/>
+              <a:buChar char="–"/>
+              <a:defRPr sz="2000" kern="1200">
+                <a:solidFill>
+                  <a:schemeClr val="tx1"/>
+                </a:solidFill>
+                <a:latin typeface="+mn-lt"/>
+                <a:ea typeface="+mn-ea"/>
+                <a:cs typeface="+mn-cs"/>
+              </a:defRPr>
+            </a:lvl4pPr>
+            <a:lvl5pPr marL="2057400" indent="-228600" algn="l" defTabSz="457200" rtl="0" eaLnBrk="1" latinLnBrk="0" hangingPunct="1">
+              <a:spcBef>
+                <a:spcPct val="20000"/>
+              </a:spcBef>
+              <a:buFont typeface="Arial"/>
+              <a:buChar char="»"/>
+              <a:defRPr sz="2000" kern="1200">
+                <a:solidFill>
+                  <a:schemeClr val="tx1"/>
+                </a:solidFill>
+                <a:latin typeface="+mn-lt"/>
+                <a:ea typeface="+mn-ea"/>
+                <a:cs typeface="+mn-cs"/>
+              </a:defRPr>
+            </a:lvl5pPr>
+            <a:lvl6pPr marL="2514600" indent="-228600" algn="l" defTabSz="457200" rtl="0" eaLnBrk="1" latinLnBrk="0" hangingPunct="1">
+              <a:spcBef>
+                <a:spcPct val="20000"/>
+              </a:spcBef>
+              <a:buFont typeface="Arial"/>
+              <a:buChar char="•"/>
+              <a:defRPr sz="2000" kern="1200">
+                <a:solidFill>
+                  <a:schemeClr val="tx1"/>
+                </a:solidFill>
+                <a:latin typeface="+mn-lt"/>
+                <a:ea typeface="+mn-ea"/>
+                <a:cs typeface="+mn-cs"/>
+              </a:defRPr>
+            </a:lvl6pPr>
+            <a:lvl7pPr marL="2971800" indent="-228600" algn="l" defTabSz="457200" rtl="0" eaLnBrk="1" latinLnBrk="0" hangingPunct="1">
+              <a:spcBef>
+                <a:spcPct val="20000"/>
+              </a:spcBef>
+              <a:buFont typeface="Arial"/>
+              <a:buChar char="•"/>
+              <a:defRPr sz="2000" kern="1200">
+                <a:solidFill>
+                  <a:schemeClr val="tx1"/>
+                </a:solidFill>
+                <a:latin typeface="+mn-lt"/>
+                <a:ea typeface="+mn-ea"/>
+                <a:cs typeface="+mn-cs"/>
+              </a:defRPr>
+            </a:lvl7pPr>
+            <a:lvl8pPr marL="3429000" indent="-228600" algn="l" defTabSz="457200" rtl="0" eaLnBrk="1" latinLnBrk="0" hangingPunct="1">
+              <a:spcBef>
+                <a:spcPct val="20000"/>
+              </a:spcBef>
+              <a:buFont typeface="Arial"/>
+              <a:buChar char="•"/>
+              <a:defRPr sz="2000" kern="1200">
+                <a:solidFill>
+                  <a:schemeClr val="tx1"/>
+                </a:solidFill>
+                <a:latin typeface="+mn-lt"/>
+                <a:ea typeface="+mn-ea"/>
+                <a:cs typeface="+mn-cs"/>
+              </a:defRPr>
+            </a:lvl8pPr>
+            <a:lvl9pPr marL="3886200" indent="-228600" algn="l" defTabSz="457200" rtl="0" eaLnBrk="1" latinLnBrk="0" hangingPunct="1">
+              <a:spcBef>
+                <a:spcPct val="20000"/>
+              </a:spcBef>
+              <a:buFont typeface="Arial"/>
+              <a:buChar char="•"/>
+              <a:defRPr sz="2000" kern="1200">
+                <a:solidFill>
+                  <a:schemeClr val="tx1"/>
+                </a:solidFill>
+                <a:latin typeface="+mn-lt"/>
+                <a:ea typeface="+mn-ea"/>
+                <a:cs typeface="+mn-cs"/>
+              </a:defRPr>
+            </a:lvl9pPr>
+          </a:lstStyle>
+          <a:p>
+            <a:pPr marL="0" indent="0">
+              <a:buNone/>
+            </a:pPr>
+            <a:r>
+              <a:rPr lang="en-US" b="1" dirty="0" smtClean="0"/>
+              <a:t>Scoring</a:t>
+            </a:r>
+          </a:p>
+          <a:p>
+            <a:pPr marL="171450" lvl="1" indent="-171450">
+              <a:buFont typeface="Arial"/>
+              <a:buChar char="•"/>
+            </a:pPr>
+            <a:r>
+              <a:rPr lang="en-US" dirty="0"/>
+              <a:t>Sum of four individual ratings: </a:t>
+            </a:r>
+          </a:p>
+          <a:p>
+            <a:pPr marL="171450" lvl="1" indent="-171450">
+              <a:buFont typeface="Arial"/>
+              <a:buChar char="•"/>
+            </a:pPr>
+            <a:r>
+              <a:rPr lang="en-US" dirty="0"/>
+              <a:t>Price, takes 0.5 (if “$$”) or 1 (if “$”) value</a:t>
+            </a:r>
+          </a:p>
+          <a:p>
+            <a:pPr marL="171450" lvl="1" indent="-171450">
+              <a:buFont typeface="Arial"/>
+              <a:buChar char="•"/>
+            </a:pPr>
+            <a:r>
+              <a:rPr lang="en-US" dirty="0"/>
+              <a:t>Ratings, discount ratings with hyperbolic discounting </a:t>
+            </a:r>
+          </a:p>
+          <a:p>
+            <a:pPr marL="171450" lvl="1" indent="-171450">
+              <a:buFont typeface="Arial"/>
+              <a:buChar char="•"/>
+            </a:pPr>
+            <a:r>
+              <a:rPr lang="en-US" dirty="0"/>
+              <a:t>Distance, creates a “gravity center” based on price and weight scores, then calculates the normalized  distance between the center and the business/location</a:t>
+            </a:r>
+          </a:p>
+          <a:p>
+            <a:pPr marL="171450" lvl="1" indent="-171450">
+              <a:buFont typeface="Arial"/>
+              <a:buChar char="•"/>
+            </a:pPr>
+            <a:r>
+              <a:rPr lang="en-US" dirty="0"/>
+              <a:t>Attributes, detects the number of words found on the business matching the  provided words</a:t>
+            </a:r>
+          </a:p>
+          <a:p>
+            <a:pPr marL="0" indent="-228600"/>
+            <a:endParaRPr lang="en-US" dirty="0"/>
+          </a:p>
+        </p:txBody>
+      </p:sp>
+      <p:cxnSp>
+        <p:nvCxnSpPr>
+          <p:cNvPr id="8" name="Straight Connector 7"/>
+          <p:cNvCxnSpPr/>
+          <p:nvPr/>
+        </p:nvCxnSpPr>
+        <p:spPr>
+          <a:xfrm>
+            <a:off x="332647" y="3628372"/>
+            <a:ext cx="8512727" cy="0"/>
+          </a:xfrm>
+          <a:prstGeom prst="line">
+            <a:avLst/>
+          </a:prstGeom>
+        </p:spPr>
+        <p:style>
+          <a:lnRef idx="2">
+            <a:schemeClr val="accent1"/>
+          </a:lnRef>
+          <a:fillRef idx="0">
+            <a:schemeClr val="accent1"/>
+          </a:fillRef>
+          <a:effectRef idx="1">
+            <a:schemeClr val="accent1"/>
+          </a:effectRef>
+          <a:fontRef idx="minor">
+            <a:schemeClr val="tx1"/>
+          </a:fontRef>
+        </p:style>
+      </p:cxnSp>
+      <p:cxnSp>
+        <p:nvCxnSpPr>
+          <p:cNvPr id="10" name="Straight Connector 9"/>
+          <p:cNvCxnSpPr/>
+          <p:nvPr/>
+        </p:nvCxnSpPr>
+        <p:spPr>
+          <a:xfrm>
+            <a:off x="4006879" y="1254812"/>
+            <a:ext cx="15120" cy="2297968"/>
+          </a:xfrm>
+          <a:prstGeom prst="line">
+            <a:avLst/>
+          </a:prstGeom>
+        </p:spPr>
+        <p:style>
+          <a:lnRef idx="2">
+            <a:schemeClr val="accent1"/>
+          </a:lnRef>
+          <a:fillRef idx="0">
+            <a:schemeClr val="accent1"/>
+          </a:fillRef>
+          <a:effectRef idx="1">
+            <a:schemeClr val="accent1"/>
+          </a:effectRef>
+          <a:fontRef idx="minor">
+            <a:schemeClr val="tx1"/>
+          </a:fontRef>
+        </p:style>
+      </p:cxnSp>
+    </p:spTree>
+    <p:extLst>
+      <p:ext uri="{BB962C8B-B14F-4D97-AF65-F5344CB8AC3E}">
+        <p14:creationId xmlns:p14="http://schemas.microsoft.com/office/powerpoint/2010/main" val="399565419"/>
+      </p:ext>
+    </p:extLst>
+  </p:cSld>
+  <p:clrMapOvr>
+    <a:masterClrMapping/>
+  </p:clrMapOvr>
+</p:sld>
+</file>
+
+<file path=ppt/slides/slide5.xml><?xml version="1.0" encoding="utf-8"?>
+<p:sld xmlns:a="http://schemas.openxmlformats.org/drawingml/2006/main" xmlns:r="http://schemas.openxmlformats.org/officeDocument/2006/relationships" xmlns:p="http://schemas.openxmlformats.org/presentationml/2006/main">
+  <p:cSld>
+    <p:spTree>
+      <p:nvGrpSpPr>
+        <p:cNvPr id="1" name=""/>
+        <p:cNvGrpSpPr/>
+        <p:nvPr/>
+      </p:nvGrpSpPr>
+      <p:grpSpPr>
+        <a:xfrm>
+          <a:off x="0" y="0"/>
+          <a:ext cx="0" cy="0"/>
+          <a:chOff x="0" y="0"/>
+          <a:chExt cx="0" cy="0"/>
+        </a:xfrm>
+      </p:grpSpPr>
+      <p:sp>
+        <p:nvSpPr>
+          <p:cNvPr id="2" name="Title 1"/>
+          <p:cNvSpPr>
+            <a:spLocks noGrp="1"/>
+          </p:cNvSpPr>
+          <p:nvPr>
+            <p:ph type="title"/>
+          </p:nvPr>
+        </p:nvSpPr>
+        <p:spPr/>
+        <p:txBody>
+          <a:bodyPr/>
+          <a:lstStyle/>
+          <a:p>
+            <a:r>
+              <a:rPr lang="en-US" dirty="0" smtClean="0"/>
+              <a:t>Demo</a:t>
+            </a:r>
+            <a:endParaRPr lang="en-US" dirty="0"/>
+          </a:p>
+        </p:txBody>
+      </p:sp>
+      <p:sp>
+        <p:nvSpPr>
+          <p:cNvPr id="3" name="Content Placeholder 2"/>
+          <p:cNvSpPr>
+            <a:spLocks noGrp="1"/>
+          </p:cNvSpPr>
+          <p:nvPr>
+            <p:ph idx="1"/>
+          </p:nvPr>
+        </p:nvSpPr>
+        <p:spPr/>
+        <p:txBody>
+          <a:bodyPr/>
+          <a:lstStyle/>
+          <a:p>
+            <a:endParaRPr lang="en-US" dirty="0"/>
+          </a:p>
+        </p:txBody>
+      </p:sp>
+    </p:spTree>
+    <p:extLst>
+      <p:ext uri="{BB962C8B-B14F-4D97-AF65-F5344CB8AC3E}">
+        <p14:creationId xmlns:p14="http://schemas.microsoft.com/office/powerpoint/2010/main" val="975684653"/>
+      </p:ext>
+    </p:extLst>
+  </p:cSld>
+  <p:clrMapOvr>
+    <a:masterClrMapping/>
+  </p:clrMapOvr>
+  <p:timing>
+    <p:tnLst>
+      <p:par>
+        <p:cTn xmlns:p14="http://schemas.microsoft.com/office/powerpoint/2010/main" id="1" dur="indefinite" restart="never" nodeType="tmRoot"/>
+      </p:par>
+    </p:tnLst>
+  </p:timing>
+</p:sld>
+</file>
+
+<file path=ppt/slides/slide6.xml><?xml version="1.0" encoding="utf-8"?>
+<p:sld xmlns:a="http://schemas.openxmlformats.org/drawingml/2006/main" xmlns:r="http://schemas.openxmlformats.org/officeDocument/2006/relationships" xmlns:p="http://schemas.openxmlformats.org/presentationml/2006/main">
+  <p:cSld>
+    <p:spTree>
+      <p:nvGrpSpPr>
+        <p:cNvPr id="1" name=""/>
+        <p:cNvGrpSpPr/>
+        <p:nvPr/>
+      </p:nvGrpSpPr>
+      <p:grpSpPr>
+        <a:xfrm>
+          <a:off x="0" y="0"/>
+          <a:ext cx="0" cy="0"/>
+          <a:chOff x="0" y="0"/>
+          <a:chExt cx="0" cy="0"/>
+        </a:xfrm>
+      </p:grpSpPr>
+      <p:sp>
+        <p:nvSpPr>
+          <p:cNvPr id="2" name="Title 1"/>
+          <p:cNvSpPr>
+            <a:spLocks noGrp="1"/>
+          </p:cNvSpPr>
+          <p:nvPr>
+            <p:ph type="title"/>
+          </p:nvPr>
+        </p:nvSpPr>
+        <p:spPr/>
+        <p:txBody>
           <a:bodyPr>
             <a:normAutofit/>
           </a:bodyPr>
@@ -5366,7 +6237,19 @@
             <a:pPr marL="360363" lvl="1" indent="-188913"/>
             <a:r>
               <a:rPr lang="en-US" dirty="0" smtClean="0"/>
-              <a:t>We got banned. Twice</a:t>
+              <a:t>We got </a:t>
+            </a:r>
+            <a:r>
+              <a:rPr lang="en-US" dirty="0" smtClean="0"/>
+              <a:t>banned</a:t>
+            </a:r>
+            <a:r>
+              <a:rPr lang="en-US" dirty="0"/>
+              <a:t> </a:t>
+            </a:r>
+            <a:r>
+              <a:rPr lang="en-US" dirty="0" smtClean="0"/>
+              <a:t>several times</a:t>
             </a:r>
             <a:r>
               <a:rPr lang="en-US" dirty="0" smtClean="0"/>
@@ -5426,7 +6309,7 @@
 </p:sld>
 </file>
 
-<file path=ppt/slides/slide5.xml><?xml version="1.0" encoding="utf-8"?>
+<file path=ppt/slides/slide7.xml><?xml version="1.0" encoding="utf-8"?>
 <p:sld xmlns:a="http://schemas.openxmlformats.org/drawingml/2006/main" xmlns:r="http://schemas.openxmlformats.org/officeDocument/2006/relationships" xmlns:p="http://schemas.openxmlformats.org/presentationml/2006/main">
   <p:cSld>
     <p:spTree>
@@ -5462,7 +6345,6 @@
               <a:rPr lang="en-US" dirty="0"/>
               <a:t>Challenges and surprises</a:t>
             </a:r>
-            <a:endParaRPr lang="en-US" dirty="0"/>
           </a:p>
         </p:txBody>
       </p:sp>
@@ -5563,22 +6445,97 @@
           </a:lstStyle>
           <a:p>
             <a:r>
+              <a:rPr lang="en-US" dirty="0" smtClean="0"/>
+              <a:t>Yelp’s data</a:t>
+            </a:r>
+          </a:p>
+          <a:p>
+            <a:pPr lvl="1"/>
+            <a:r>
+              <a:rPr lang="en-US" dirty="0" smtClean="0"/>
+              <a:t>Weird addresses: </a:t>
+            </a:r>
+          </a:p>
+          <a:p>
+            <a:pPr marL="619125" lvl="2" indent="-255588"/>
+            <a:r>
+              <a:rPr lang="en-US" dirty="0" smtClean="0"/>
+              <a:t>Breaking Bread Lunch in River North: </a:t>
+            </a:r>
+            <a:br>
+              <a:rPr lang="en-US" dirty="0" smtClean="0"/>
+            </a:br>
+            <a:r>
+              <a:rPr lang="en-US" dirty="0" smtClean="0"/>
+              <a:t>1871 Kitchen, 222 W Merchandise Mart </a:t>
+            </a:r>
+            <a:r>
+              <a:rPr lang="en-US" dirty="0" err="1" smtClean="0"/>
+              <a:t>Plz</a:t>
+            </a:r>
+            <a:r>
+              <a:rPr lang="en-US" dirty="0" smtClean="0"/>
+              <a:t>, 12</a:t>
+            </a:r>
+            <a:r>
+              <a:rPr lang="en-US" baseline="30000" dirty="0" smtClean="0"/>
+              <a:t>th</a:t>
+            </a:r>
+            <a:r>
+              <a:rPr lang="en-US" dirty="0" smtClean="0"/>
+              <a:t> </a:t>
+            </a:r>
+            <a:r>
+              <a:rPr lang="en-US" dirty="0" err="1" smtClean="0"/>
+              <a:t>Fl</a:t>
+            </a:r>
+            <a:r>
+              <a:rPr lang="en-US" dirty="0" smtClean="0"/>
+              <a:t> </a:t>
+            </a:r>
+          </a:p>
+          <a:p>
+            <a:pPr marL="363538" lvl="1" indent="-182563"/>
+            <a:r>
               <a:rPr lang="en-US" dirty="0"/>
-              <a:t>How to create a scoring?</a:t>
+              <a:t>No</a:t>
+            </a:r>
+            <a:r>
+              <a:rPr lang="en-US" dirty="0" smtClean="0"/>
+              <a:t> schedules sometimes</a:t>
+            </a:r>
+          </a:p>
+          <a:p>
+            <a:pPr marL="363538" lvl="1" indent="-182563"/>
+            <a:r>
+              <a:rPr lang="en-US" dirty="0" smtClean="0"/>
+              <a:t>Limited to what people post on Yelp (ratings and comments)</a:t>
+            </a:r>
+          </a:p>
+          <a:p>
+            <a:pPr marL="0" indent="0">
+              <a:buNone/>
+            </a:pPr>
+            <a:endParaRPr lang="en-US" dirty="0" smtClean="0"/>
+          </a:p>
+          <a:p>
+            <a:r>
+              <a:rPr lang="en-US" dirty="0" smtClean="0"/>
+              <a:t>Scoring </a:t>
             </a:r>
           </a:p>
           <a:p>
             <a:pPr lvl="1"/>
             <a:r>
-              <a:rPr lang="en-US" dirty="0"/>
-              <a:t>Initially thought of clustering, but too complex to implement</a:t>
+              <a:rPr lang="en-US" dirty="0" smtClean="0"/>
+              <a:t>Current score weights too much good ratings and not so much matches with key words: Potbelly</a:t>
             </a:r>
           </a:p>
           <a:p>
             <a:pPr lvl="1"/>
             <a:r>
-              <a:rPr lang="en-US" dirty="0"/>
-              <a:t>Distance rating ended up being a deviation from the weighted average of the locations</a:t>
+              <a:rPr lang="en-US" dirty="0" smtClean="0"/>
+              <a:t>Places recommended might be irrelevant: CVS, Passport &amp; Visa Photo?</a:t>
             </a:r>
           </a:p>
           <a:p>
@@ -5606,6 +6563,13 @@
   <p:clrMapOvr>
     <a:masterClrMapping/>
   </p:clrMapOvr>
+  <p:timing>
+    <p:tnLst>
+      <p:par>
+        <p:cTn xmlns:p14="http://schemas.microsoft.com/office/powerpoint/2010/main" id="1" dur="indefinite" restart="never" nodeType="tmRoot"/>
+      </p:par>
+    </p:tnLst>
+  </p:timing>
 </p:sld>
 </file>
 
